--- a/PPT/네트워크프로그래밍경진대회.pptx
+++ b/PPT/네트워크프로그래밍경진대회.pptx
@@ -244,7 +244,7 @@
             <a:fld id="{A4175B8C-DF90-4444-88E4-F1D95D87E965}" type="datetimeFigureOut">
               <a:rPr lang="ko-KR" altLang="en-US" smtClean="0"/>
               <a:pPr/>
-              <a:t>2018-12-03</a:t>
+              <a:t>2018-12-04</a:t>
             </a:fld>
             <a:endParaRPr lang="ko-KR" altLang="en-US"/>
           </a:p>
@@ -782,7 +782,7 @@
             <a:fld id="{59AC5016-0CE9-49F3-B8D2-461B0C3D6C17}" type="datetime1">
               <a:rPr lang="ko-KR" altLang="en-US" smtClean="0"/>
               <a:pPr/>
-              <a:t>2018-12-03</a:t>
+              <a:t>2018-12-04</a:t>
             </a:fld>
             <a:endParaRPr lang="ko-KR" altLang="en-US"/>
           </a:p>
@@ -957,7 +957,7 @@
             <a:fld id="{7A200DB6-95EC-49A7-BD4C-E70999BD6845}" type="datetime1">
               <a:rPr lang="ko-KR" altLang="en-US" smtClean="0"/>
               <a:pPr/>
-              <a:t>2018-12-03</a:t>
+              <a:t>2018-12-04</a:t>
             </a:fld>
             <a:endParaRPr lang="ko-KR" altLang="en-US"/>
           </a:p>
@@ -1142,7 +1142,7 @@
             <a:fld id="{FC5A2795-EB37-4315-A2CE-135DB3937956}" type="datetime1">
               <a:rPr lang="ko-KR" altLang="en-US" smtClean="0"/>
               <a:pPr/>
-              <a:t>2018-12-03</a:t>
+              <a:t>2018-12-04</a:t>
             </a:fld>
             <a:endParaRPr lang="ko-KR" altLang="en-US"/>
           </a:p>
@@ -1472,7 +1472,7 @@
             <a:fld id="{D26B9918-E6BB-432D-A8F8-AC60DB3964CC}" type="datetime1">
               <a:rPr lang="ko-KR" altLang="en-US" smtClean="0"/>
               <a:pPr/>
-              <a:t>2018-12-03</a:t>
+              <a:t>2018-12-04</a:t>
             </a:fld>
             <a:endParaRPr lang="ko-KR" altLang="en-US"/>
           </a:p>
@@ -1723,7 +1723,7 @@
             <a:fld id="{C0FC02E3-8D33-4F3D-B7C7-251592AF8EBF}" type="datetime1">
               <a:rPr lang="ko-KR" altLang="en-US" smtClean="0"/>
               <a:pPr/>
-              <a:t>2018-12-03</a:t>
+              <a:t>2018-12-04</a:t>
             </a:fld>
             <a:endParaRPr lang="ko-KR" altLang="en-US"/>
           </a:p>
@@ -2016,7 +2016,7 @@
             <a:fld id="{98DFDEAE-93DF-4C5D-B8B3-A56BFDA35506}" type="datetime1">
               <a:rPr lang="ko-KR" altLang="en-US" smtClean="0"/>
               <a:pPr/>
-              <a:t>2018-12-03</a:t>
+              <a:t>2018-12-04</a:t>
             </a:fld>
             <a:endParaRPr lang="ko-KR" altLang="en-US"/>
           </a:p>
@@ -2443,7 +2443,7 @@
             <a:fld id="{99C1F306-9F63-4D26-9200-67D01FD9E31C}" type="datetime1">
               <a:rPr lang="ko-KR" altLang="en-US" smtClean="0"/>
               <a:pPr/>
-              <a:t>2018-12-03</a:t>
+              <a:t>2018-12-04</a:t>
             </a:fld>
             <a:endParaRPr lang="ko-KR" altLang="en-US"/>
           </a:p>
@@ -2566,7 +2566,7 @@
             <a:fld id="{A9F8D711-DAEC-41E7-BCCE-97D973D9FCF4}" type="datetime1">
               <a:rPr lang="ko-KR" altLang="en-US" smtClean="0"/>
               <a:pPr/>
-              <a:t>2018-12-03</a:t>
+              <a:t>2018-12-04</a:t>
             </a:fld>
             <a:endParaRPr lang="ko-KR" altLang="en-US"/>
           </a:p>
@@ -2666,7 +2666,7 @@
             <a:fld id="{C73DAACD-CB12-4A48-A0F0-7880F7B8F2E4}" type="datetime1">
               <a:rPr lang="ko-KR" altLang="en-US" smtClean="0"/>
               <a:pPr/>
-              <a:t>2018-12-03</a:t>
+              <a:t>2018-12-04</a:t>
             </a:fld>
             <a:endParaRPr lang="ko-KR" altLang="en-US"/>
           </a:p>
@@ -2948,7 +2948,7 @@
             <a:fld id="{9B881914-6B2B-4507-8C3B-681EC42BF714}" type="datetime1">
               <a:rPr lang="ko-KR" altLang="en-US" smtClean="0"/>
               <a:pPr/>
-              <a:t>2018-12-03</a:t>
+              <a:t>2018-12-04</a:t>
             </a:fld>
             <a:endParaRPr lang="ko-KR" altLang="en-US"/>
           </a:p>
@@ -3206,7 +3206,7 @@
             <a:fld id="{E2D7CE56-2D8E-4D66-9002-E3AC405EFE2C}" type="datetime1">
               <a:rPr lang="ko-KR" altLang="en-US" smtClean="0"/>
               <a:pPr/>
-              <a:t>2018-12-03</a:t>
+              <a:t>2018-12-04</a:t>
             </a:fld>
             <a:endParaRPr lang="ko-KR" altLang="en-US"/>
           </a:p>
@@ -3432,7 +3432,7 @@
             <a:fld id="{47C2A942-B78E-48FC-8EFB-B55B217D18F5}" type="datetime1">
               <a:rPr lang="ko-KR" altLang="en-US" smtClean="0"/>
               <a:pPr/>
-              <a:t>2018-12-03</a:t>
+              <a:t>2018-12-04</a:t>
             </a:fld>
             <a:endParaRPr lang="ko-KR" altLang="en-US"/>
           </a:p>
@@ -8285,59 +8285,8 @@
                 <a:latin typeface="Noto Sans Korean Bold" pitchFamily="34" charset="-127"/>
                 <a:ea typeface="Noto Sans Korean Bold" pitchFamily="34" charset="-127"/>
               </a:rPr>
-              <a:t>) CRA, Express, </a:t>
-            </a:r>
-            <a:r>
-              <a:rPr lang="en-US" altLang="ko-KR" sz="2800" spc="300" dirty="0" smtClean="0">
-                <a:gradFill>
-                  <a:gsLst>
-                    <a:gs pos="0">
-                      <a:schemeClr val="bg1"/>
-                    </a:gs>
-                    <a:gs pos="100000">
-                      <a:schemeClr val="bg1"/>
-                    </a:gs>
-                  </a:gsLst>
-                  <a:lin ang="5400000" scaled="0"/>
-                </a:gradFill>
-                <a:latin typeface="Noto Sans Korean Bold" pitchFamily="34" charset="-127"/>
-                <a:ea typeface="Noto Sans Korean Bold" pitchFamily="34" charset="-127"/>
-              </a:rPr>
-              <a:t>pixabay, </a:t>
-            </a:r>
-            <a:r>
-              <a:rPr lang="en-US" altLang="ko-KR" sz="2800" spc="300" dirty="0" smtClean="0">
-                <a:gradFill>
-                  <a:gsLst>
-                    <a:gs pos="0">
-                      <a:schemeClr val="bg1"/>
-                    </a:gs>
-                    <a:gs pos="100000">
-                      <a:schemeClr val="bg1"/>
-                    </a:gs>
-                  </a:gsLst>
-                  <a:lin ang="5400000" scaled="0"/>
-                </a:gradFill>
-                <a:latin typeface="Noto Sans Korean Bold" pitchFamily="34" charset="-127"/>
-                <a:ea typeface="Noto Sans Korean Bold" pitchFamily="34" charset="-127"/>
-              </a:rPr>
-              <a:t>ES6</a:t>
-            </a:r>
-            <a:endParaRPr lang="en-US" altLang="ko-KR" sz="2800" spc="300" dirty="0" smtClean="0">
-              <a:gradFill>
-                <a:gsLst>
-                  <a:gs pos="0">
-                    <a:schemeClr val="bg1"/>
-                  </a:gs>
-                  <a:gs pos="100000">
-                    <a:schemeClr val="bg1"/>
-                  </a:gs>
-                </a:gsLst>
-                <a:lin ang="5400000" scaled="0"/>
-              </a:gradFill>
-              <a:latin typeface="Noto Sans Korean Bold" pitchFamily="34" charset="-127"/>
-              <a:ea typeface="Noto Sans Korean Bold" pitchFamily="34" charset="-127"/>
-            </a:endParaRPr>
+              <a:t>) CRA, Express, pixabay, ES6</a:t>
+            </a:r>
           </a:p>
         </p:txBody>
       </p:sp>
@@ -9094,25 +9043,7 @@
                 <a:latin typeface="Noto Sans Korean Regular" pitchFamily="34" charset="-127"/>
                 <a:ea typeface="Noto Sans Korean Regular" pitchFamily="34" charset="-127"/>
               </a:rPr>
-              <a:t>무료 이미지들을 모아둔 </a:t>
-            </a:r>
-            <a:r>
-              <a:rPr lang="ko-KR" altLang="en-US" sz="1600" b="0" spc="300" dirty="0" smtClean="0">
-                <a:gradFill>
-                  <a:gsLst>
-                    <a:gs pos="0">
-                      <a:schemeClr val="bg1"/>
-                    </a:gs>
-                    <a:gs pos="100000">
-                      <a:schemeClr val="bg1"/>
-                    </a:gs>
-                  </a:gsLst>
-                  <a:lin ang="5400000" scaled="0"/>
-                </a:gradFill>
-                <a:latin typeface="Noto Sans Korean Regular" pitchFamily="34" charset="-127"/>
-                <a:ea typeface="Noto Sans Korean Regular" pitchFamily="34" charset="-127"/>
-              </a:rPr>
-              <a:t>서버</a:t>
+              <a:t>무료 이미지들을 모아둔 서버</a:t>
             </a:r>
             <a:endParaRPr lang="en-US" altLang="ko-KR" sz="1600" b="0" spc="300" dirty="0" smtClean="0">
               <a:gradFill>
@@ -11303,7 +11234,7 @@
                 <a:solidFill>
                   <a:schemeClr val="bg1"/>
                 </a:solidFill>
-                <a:hlinkClick r:id="rId2" action="ppaction://hlinkfile"/>
+                <a:hlinkClick r:id="rId2"/>
               </a:rPr>
               <a:t>Asynchronous</a:t>
             </a:r>
@@ -12012,25 +11943,7 @@
                 <a:latin typeface="Noto Sans Korean Bold" pitchFamily="34" charset="-127"/>
                 <a:ea typeface="Noto Sans Korean Bold" pitchFamily="34" charset="-127"/>
               </a:rPr>
-              <a:t>서비스 </a:t>
-            </a:r>
-            <a:r>
-              <a:rPr lang="ko-KR" altLang="en-US" sz="2000" spc="300" dirty="0" smtClean="0">
-                <a:gradFill>
-                  <a:gsLst>
-                    <a:gs pos="0">
-                      <a:schemeClr val="bg1"/>
-                    </a:gs>
-                    <a:gs pos="100000">
-                      <a:schemeClr val="bg1"/>
-                    </a:gs>
-                  </a:gsLst>
-                  <a:lin ang="5400000" scaled="0"/>
-                </a:gradFill>
-                <a:latin typeface="Noto Sans Korean Bold" pitchFamily="34" charset="-127"/>
-                <a:ea typeface="Noto Sans Korean Bold" pitchFamily="34" charset="-127"/>
-              </a:rPr>
-              <a:t>기능 구현</a:t>
+              <a:t>서비스 기능 구현</a:t>
             </a:r>
             <a:endParaRPr lang="en-US" altLang="ko-KR" sz="2000" spc="300" dirty="0" smtClean="0">
               <a:gradFill>
@@ -12070,25 +11983,7 @@
                 <a:latin typeface="Noto Sans Korean Bold" pitchFamily="34" charset="-127"/>
                 <a:ea typeface="Noto Sans Korean Bold" pitchFamily="34" charset="-127"/>
               </a:rPr>
-              <a:t>퍼포먼스 </a:t>
-            </a:r>
-            <a:r>
-              <a:rPr lang="ko-KR" altLang="en-US" sz="2000" spc="300" dirty="0" smtClean="0">
-                <a:gradFill>
-                  <a:gsLst>
-                    <a:gs pos="0">
-                      <a:schemeClr val="bg1"/>
-                    </a:gs>
-                    <a:gs pos="100000">
-                      <a:schemeClr val="bg1"/>
-                    </a:gs>
-                  </a:gsLst>
-                  <a:lin ang="5400000" scaled="0"/>
-                </a:gradFill>
-                <a:latin typeface="Noto Sans Korean Bold" pitchFamily="34" charset="-127"/>
-                <a:ea typeface="Noto Sans Korean Bold" pitchFamily="34" charset="-127"/>
-              </a:rPr>
-              <a:t>최적화</a:t>
+              <a:t>퍼포먼스 최적화</a:t>
             </a:r>
             <a:endParaRPr lang="en-US" altLang="ko-KR" sz="2000" spc="300" dirty="0" smtClean="0">
               <a:gradFill>
@@ -12128,25 +12023,7 @@
                 <a:latin typeface="Noto Sans Korean Bold" pitchFamily="34" charset="-127"/>
                 <a:ea typeface="Noto Sans Korean Bold" pitchFamily="34" charset="-127"/>
               </a:rPr>
-              <a:t>서비스 </a:t>
-            </a:r>
-            <a:r>
-              <a:rPr lang="ko-KR" altLang="en-US" sz="2000" spc="300" dirty="0" smtClean="0">
-                <a:gradFill>
-                  <a:gsLst>
-                    <a:gs pos="0">
-                      <a:schemeClr val="bg1"/>
-                    </a:gs>
-                    <a:gs pos="100000">
-                      <a:schemeClr val="bg1"/>
-                    </a:gs>
-                  </a:gsLst>
-                  <a:lin ang="5400000" scaled="0"/>
-                </a:gradFill>
-                <a:latin typeface="Noto Sans Korean Bold" pitchFamily="34" charset="-127"/>
-                <a:ea typeface="Noto Sans Korean Bold" pitchFamily="34" charset="-127"/>
-              </a:rPr>
-              <a:t>배포</a:t>
+              <a:t>서비스 배포</a:t>
             </a:r>
             <a:endParaRPr lang="en-US" altLang="ko-KR" sz="2000" spc="300" dirty="0" smtClean="0">
               <a:gradFill>
@@ -12486,25 +12363,7 @@
                 <a:latin typeface="Noto Sans Korean Bold" pitchFamily="34" charset="-127"/>
                 <a:ea typeface="Noto Sans Korean Bold" pitchFamily="34" charset="-127"/>
               </a:rPr>
-              <a:t>디자인 </a:t>
-            </a:r>
-            <a:r>
-              <a:rPr lang="ko-KR" altLang="en-US" sz="2000" spc="300" dirty="0" smtClean="0">
-                <a:gradFill>
-                  <a:gsLst>
-                    <a:gs pos="0">
-                      <a:schemeClr val="bg1"/>
-                    </a:gs>
-                    <a:gs pos="100000">
-                      <a:schemeClr val="bg1"/>
-                    </a:gs>
-                  </a:gsLst>
-                  <a:lin ang="5400000" scaled="0"/>
-                </a:gradFill>
-                <a:latin typeface="Noto Sans Korean Bold" pitchFamily="34" charset="-127"/>
-                <a:ea typeface="Noto Sans Korean Bold" pitchFamily="34" charset="-127"/>
-              </a:rPr>
-              <a:t>담당</a:t>
+              <a:t>디자인 담당</a:t>
             </a:r>
             <a:endParaRPr lang="en-US" altLang="ko-KR" sz="2000" spc="300" dirty="0" smtClean="0">
               <a:gradFill>

--- a/PPT/네트워크프로그래밍경진대회.pptx
+++ b/PPT/네트워크프로그래밍경진대회.pptx
@@ -6114,7 +6114,7 @@
         <p:spPr>
           <a:xfrm>
             <a:off x="5745088" y="2464441"/>
-            <a:ext cx="2718786" cy="1998612"/>
+            <a:ext cx="3312368" cy="1998612"/>
           </a:xfrm>
           <a:prstGeom prst="rect">
             <a:avLst/>
@@ -6180,10 +6180,10 @@
                 <a:latin typeface="Noto Sans Korean Light" pitchFamily="34" charset="-127"/>
                 <a:ea typeface="Noto Sans Korean Light" pitchFamily="34" charset="-127"/>
               </a:rPr>
-              <a:t>대학생들이 리포트나 </a:t>
-            </a:r>
-            <a:r>
-              <a:rPr lang="en-US" altLang="ko-KR" sz="1400" b="0" spc="0" dirty="0" smtClean="0">
+              <a:t>추가적으로 회원관리 기능을 도입해 각 </a:t>
+            </a:r>
+            <a:r>
+              <a:rPr lang="ko-KR" altLang="en-US" sz="1400" b="0" spc="0" dirty="0" smtClean="0">
                 <a:gradFill flip="none" rotWithShape="1">
                   <a:gsLst>
                     <a:gs pos="0">
@@ -6206,10 +6206,10 @@
                 <a:latin typeface="Noto Sans Korean Light" pitchFamily="34" charset="-127"/>
                 <a:ea typeface="Noto Sans Korean Light" pitchFamily="34" charset="-127"/>
               </a:rPr>
-              <a:t>PPT</a:t>
-            </a:r>
-            <a:r>
-              <a:rPr lang="ko-KR" altLang="en-US" sz="1400" b="0" spc="0" dirty="0" smtClean="0">
+              <a:t>회원들의 저장소</a:t>
+            </a:r>
+            <a:r>
+              <a:rPr lang="en-US" altLang="ko-KR" sz="1400" b="0" spc="0" dirty="0" smtClean="0">
                 <a:gradFill flip="none" rotWithShape="1">
                   <a:gsLst>
                     <a:gs pos="0">
@@ -6232,7 +6232,215 @@
                 <a:latin typeface="Noto Sans Korean Light" pitchFamily="34" charset="-127"/>
                 <a:ea typeface="Noto Sans Korean Light" pitchFamily="34" charset="-127"/>
               </a:rPr>
-              <a:t>를 작성할 때 원하는 이미지를 조금 더 편하게 찾음으로써 과제의 능률이 향상</a:t>
+              <a:t>(Repository) </a:t>
+            </a:r>
+            <a:r>
+              <a:rPr lang="ko-KR" altLang="en-US" sz="1400" b="0" spc="0" dirty="0" smtClean="0">
+                <a:gradFill flip="none" rotWithShape="1">
+                  <a:gsLst>
+                    <a:gs pos="0">
+                      <a:schemeClr val="bg1"/>
+                    </a:gs>
+                    <a:gs pos="100000">
+                      <a:schemeClr val="bg1"/>
+                    </a:gs>
+                  </a:gsLst>
+                  <a:lin ang="5400000" scaled="1"/>
+                  <a:tileRect/>
+                </a:gradFill>
+                <a:effectLst>
+                  <a:outerShdw dist="38100" dir="5400000" algn="t" rotWithShape="0">
+                    <a:prstClr val="black">
+                      <a:alpha val="10000"/>
+                    </a:prstClr>
+                  </a:outerShdw>
+                </a:effectLst>
+                <a:latin typeface="Noto Sans Korean Light" pitchFamily="34" charset="-127"/>
+                <a:ea typeface="Noto Sans Korean Light" pitchFamily="34" charset="-127"/>
+              </a:rPr>
+              <a:t>를 제공해 원하는 이미지를 저장 할 수 있게 합니다</a:t>
+            </a:r>
+            <a:r>
+              <a:rPr lang="en-US" altLang="ko-KR" sz="1400" b="0" spc="0" dirty="0" smtClean="0">
+                <a:gradFill flip="none" rotWithShape="1">
+                  <a:gsLst>
+                    <a:gs pos="0">
+                      <a:schemeClr val="bg1"/>
+                    </a:gs>
+                    <a:gs pos="100000">
+                      <a:schemeClr val="bg1"/>
+                    </a:gs>
+                  </a:gsLst>
+                  <a:lin ang="5400000" scaled="1"/>
+                  <a:tileRect/>
+                </a:gradFill>
+                <a:effectLst>
+                  <a:outerShdw dist="38100" dir="5400000" algn="t" rotWithShape="0">
+                    <a:prstClr val="black">
+                      <a:alpha val="10000"/>
+                    </a:prstClr>
+                  </a:outerShdw>
+                </a:effectLst>
+                <a:latin typeface="Noto Sans Korean Light" pitchFamily="34" charset="-127"/>
+                <a:ea typeface="Noto Sans Korean Light" pitchFamily="34" charset="-127"/>
+              </a:rPr>
+              <a:t>. </a:t>
+            </a:r>
+            <a:r>
+              <a:rPr lang="ko-KR" altLang="en-US" sz="1400" b="0" spc="0" dirty="0" smtClean="0">
+                <a:gradFill flip="none" rotWithShape="1">
+                  <a:gsLst>
+                    <a:gs pos="0">
+                      <a:schemeClr val="bg1"/>
+                    </a:gs>
+                    <a:gs pos="100000">
+                      <a:schemeClr val="bg1"/>
+                    </a:gs>
+                  </a:gsLst>
+                  <a:lin ang="5400000" scaled="1"/>
+                  <a:tileRect/>
+                </a:gradFill>
+                <a:effectLst>
+                  <a:outerShdw dist="38100" dir="5400000" algn="t" rotWithShape="0">
+                    <a:prstClr val="black">
+                      <a:alpha val="10000"/>
+                    </a:prstClr>
+                  </a:outerShdw>
+                </a:effectLst>
+                <a:latin typeface="Noto Sans Korean Light" pitchFamily="34" charset="-127"/>
+                <a:ea typeface="Noto Sans Korean Light" pitchFamily="34" charset="-127"/>
+              </a:rPr>
+              <a:t>후에 이용자가 늘어난다면 </a:t>
+            </a:r>
+            <a:r>
+              <a:rPr lang="ko-KR" altLang="en-US" sz="1400" b="0" spc="0" dirty="0" err="1" smtClean="0">
+                <a:gradFill flip="none" rotWithShape="1">
+                  <a:gsLst>
+                    <a:gs pos="0">
+                      <a:schemeClr val="bg1"/>
+                    </a:gs>
+                    <a:gs pos="100000">
+                      <a:schemeClr val="bg1"/>
+                    </a:gs>
+                  </a:gsLst>
+                  <a:lin ang="5400000" scaled="1"/>
+                  <a:tileRect/>
+                </a:gradFill>
+                <a:effectLst>
+                  <a:outerShdw dist="38100" dir="5400000" algn="t" rotWithShape="0">
+                    <a:prstClr val="black">
+                      <a:alpha val="10000"/>
+                    </a:prstClr>
+                  </a:outerShdw>
+                </a:effectLst>
+                <a:latin typeface="Noto Sans Korean Light" pitchFamily="34" charset="-127"/>
+                <a:ea typeface="Noto Sans Korean Light" pitchFamily="34" charset="-127"/>
+              </a:rPr>
+              <a:t>구글</a:t>
+            </a:r>
+            <a:r>
+              <a:rPr lang="ko-KR" altLang="en-US" sz="1400" b="0" spc="0" dirty="0" smtClean="0">
+                <a:gradFill flip="none" rotWithShape="1">
+                  <a:gsLst>
+                    <a:gs pos="0">
+                      <a:schemeClr val="bg1"/>
+                    </a:gs>
+                    <a:gs pos="100000">
+                      <a:schemeClr val="bg1"/>
+                    </a:gs>
+                  </a:gsLst>
+                  <a:lin ang="5400000" scaled="1"/>
+                  <a:tileRect/>
+                </a:gradFill>
+                <a:effectLst>
+                  <a:outerShdw dist="38100" dir="5400000" algn="t" rotWithShape="0">
+                    <a:prstClr val="black">
+                      <a:alpha val="10000"/>
+                    </a:prstClr>
+                  </a:outerShdw>
+                </a:effectLst>
+                <a:latin typeface="Noto Sans Korean Light" pitchFamily="34" charset="-127"/>
+                <a:ea typeface="Noto Sans Korean Light" pitchFamily="34" charset="-127"/>
+              </a:rPr>
+              <a:t> </a:t>
+            </a:r>
+            <a:r>
+              <a:rPr lang="ko-KR" altLang="en-US" sz="1400" b="0" spc="0" dirty="0" err="1" smtClean="0">
+                <a:gradFill flip="none" rotWithShape="1">
+                  <a:gsLst>
+                    <a:gs pos="0">
+                      <a:schemeClr val="bg1"/>
+                    </a:gs>
+                    <a:gs pos="100000">
+                      <a:schemeClr val="bg1"/>
+                    </a:gs>
+                  </a:gsLst>
+                  <a:lin ang="5400000" scaled="1"/>
+                  <a:tileRect/>
+                </a:gradFill>
+                <a:effectLst>
+                  <a:outerShdw dist="38100" dir="5400000" algn="t" rotWithShape="0">
+                    <a:prstClr val="black">
+                      <a:alpha val="10000"/>
+                    </a:prstClr>
+                  </a:outerShdw>
+                </a:effectLst>
+                <a:latin typeface="Noto Sans Korean Light" pitchFamily="34" charset="-127"/>
+                <a:ea typeface="Noto Sans Korean Light" pitchFamily="34" charset="-127"/>
+              </a:rPr>
+              <a:t>애드센스를</a:t>
+            </a:r>
+            <a:r>
+              <a:rPr lang="ko-KR" altLang="en-US" sz="1400" b="0" spc="0" dirty="0" smtClean="0">
+                <a:gradFill flip="none" rotWithShape="1">
+                  <a:gsLst>
+                    <a:gs pos="0">
+                      <a:schemeClr val="bg1"/>
+                    </a:gs>
+                    <a:gs pos="100000">
+                      <a:schemeClr val="bg1"/>
+                    </a:gs>
+                  </a:gsLst>
+                  <a:lin ang="5400000" scaled="1"/>
+                  <a:tileRect/>
+                </a:gradFill>
+                <a:effectLst>
+                  <a:outerShdw dist="38100" dir="5400000" algn="t" rotWithShape="0">
+                    <a:prstClr val="black">
+                      <a:alpha val="10000"/>
+                    </a:prstClr>
+                  </a:outerShdw>
+                </a:effectLst>
+                <a:latin typeface="Noto Sans Korean Light" pitchFamily="34" charset="-127"/>
+                <a:ea typeface="Noto Sans Korean Light" pitchFamily="34" charset="-127"/>
+              </a:rPr>
+              <a:t> 이용해 수익창출까지 기대 할 수 있습니다</a:t>
+            </a:r>
+            <a:r>
+              <a:rPr lang="en-US" altLang="ko-KR" sz="1400" b="0" spc="0" dirty="0" smtClean="0">
+                <a:gradFill flip="none" rotWithShape="1">
+                  <a:gsLst>
+                    <a:gs pos="0">
+                      <a:schemeClr val="bg1"/>
+                    </a:gs>
+                    <a:gs pos="100000">
+                      <a:schemeClr val="bg1"/>
+                    </a:gs>
+                  </a:gsLst>
+                  <a:lin ang="5400000" scaled="1"/>
+                  <a:tileRect/>
+                </a:gradFill>
+                <a:effectLst>
+                  <a:outerShdw dist="38100" dir="5400000" algn="t" rotWithShape="0">
+                    <a:prstClr val="black">
+                      <a:alpha val="10000"/>
+                    </a:prstClr>
+                  </a:outerShdw>
+                </a:effectLst>
+                <a:latin typeface="Noto Sans Korean Light" pitchFamily="34" charset="-127"/>
+                <a:ea typeface="Noto Sans Korean Light" pitchFamily="34" charset="-127"/>
+              </a:rPr>
+              <a:t>.</a:t>
             </a:r>
             <a:endParaRPr lang="en-US" altLang="ko-KR" sz="1400" b="0" spc="0" dirty="0" smtClean="0">
               <a:gradFill flip="none" rotWithShape="1">
